--- a/lessons/A_Setup_Intro_Basics/Day1_live_C.pptx
+++ b/lessons/A_Setup_Intro_Basics/Day1_live_C.pptx
@@ -234,7 +234,7 @@
           <a:p>
             <a:fld id="{B0C0A60C-850A-4EA4-9C14-A8FE98B94505}" type="datetimeFigureOut">
               <a:rPr lang="en-US" smtClean="0"/>
-              <a:t>6/7/20</a:t>
+              <a:t>12/17/20</a:t>
             </a:fld>
             <a:endParaRPr lang="en-US"/>
           </a:p>
@@ -633,7 +633,7 @@
           <a:p>
             <a:fld id="{5738B90E-0779-4C36-915C-6F05FCD89456}" type="datetime1">
               <a:rPr lang="en-US" smtClean="0"/>
-              <a:t>6/7/20</a:t>
+              <a:t>12/17/20</a:t>
             </a:fld>
             <a:endParaRPr lang="en-US"/>
           </a:p>
@@ -813,7 +813,7 @@
           <a:p>
             <a:fld id="{7B9EA29D-D431-42FE-B7B6-AAE4454C77D3}" type="datetime1">
               <a:rPr lang="en-US" smtClean="0"/>
-              <a:t>6/7/20</a:t>
+              <a:t>12/17/20</a:t>
             </a:fld>
             <a:endParaRPr lang="en-US"/>
           </a:p>
@@ -1070,7 +1070,7 @@
           <a:p>
             <a:fld id="{690D8A1E-EA8F-46C1-B891-AE0C00D9C314}" type="datetime1">
               <a:rPr lang="en-US" smtClean="0"/>
-              <a:t>6/7/20</a:t>
+              <a:t>12/17/20</a:t>
             </a:fld>
             <a:endParaRPr lang="en-US"/>
           </a:p>
@@ -1361,7 +1361,7 @@
           <a:p>
             <a:fld id="{D753EFC8-4232-4598-94F6-94C0EBAFC469}" type="datetime1">
               <a:rPr lang="en-US" smtClean="0"/>
-              <a:t>6/7/20</a:t>
+              <a:t>12/17/20</a:t>
             </a:fld>
             <a:endParaRPr lang="en-US"/>
           </a:p>
@@ -1673,7 +1673,7 @@
           <a:p>
             <a:fld id="{F3161074-1C18-4AE7-957D-F18524378C85}" type="datetime1">
               <a:rPr lang="en-US" smtClean="0"/>
-              <a:t>6/7/20</a:t>
+              <a:t>12/17/20</a:t>
             </a:fld>
             <a:endParaRPr lang="en-US"/>
           </a:p>
@@ -1909,7 +1909,7 @@
           <a:p>
             <a:fld id="{69BE256C-8D9A-4404-B47D-41A1AE514425}" type="datetime1">
               <a:rPr lang="en-US" smtClean="0"/>
-              <a:t>6/7/20</a:t>
+              <a:t>12/17/20</a:t>
             </a:fld>
             <a:endParaRPr lang="en-US"/>
           </a:p>
@@ -2340,7 +2340,7 @@
           <a:p>
             <a:fld id="{66CB2154-9035-4012-8189-BAAB61C5A5EE}" type="datetime1">
               <a:rPr lang="en-US" smtClean="0"/>
-              <a:t>6/7/20</a:t>
+              <a:t>12/17/20</a:t>
             </a:fld>
             <a:endParaRPr lang="en-US"/>
           </a:p>
@@ -2511,7 +2511,7 @@
           <a:p>
             <a:fld id="{6700A58B-DD98-43D0-B791-721480A02982}" type="datetime1">
               <a:rPr lang="en-US" smtClean="0"/>
-              <a:t>6/7/20</a:t>
+              <a:t>12/17/20</a:t>
             </a:fld>
             <a:endParaRPr lang="en-US"/>
           </a:p>
@@ -2700,7 +2700,7 @@
           <a:p>
             <a:fld id="{7DB6E382-4F61-4E24-BE1A-377EC83D0E3A}" type="datetime1">
               <a:rPr lang="en-US" smtClean="0"/>
-              <a:t>6/7/20</a:t>
+              <a:t>12/17/20</a:t>
             </a:fld>
             <a:endParaRPr lang="en-US"/>
           </a:p>
@@ -3008,7 +3008,7 @@
           <a:p>
             <a:fld id="{4142EED6-FC16-45B9-B8C4-2BC5DBA88325}" type="datetime1">
               <a:rPr lang="en-US" smtClean="0"/>
-              <a:t>6/7/20</a:t>
+              <a:t>12/17/20</a:t>
             </a:fld>
             <a:endParaRPr lang="en-US"/>
           </a:p>
@@ -3323,7 +3323,7 @@
           <a:p>
             <a:fld id="{DF59512B-4F1D-43D7-8819-2F53FEF69650}" type="datetime1">
               <a:rPr lang="en-US" smtClean="0"/>
-              <a:t>6/7/20</a:t>
+              <a:t>12/17/20</a:t>
             </a:fld>
             <a:endParaRPr lang="en-US"/>
           </a:p>
@@ -3596,7 +3596,7 @@
           <a:p>
             <a:fld id="{08437B94-E2BF-44DC-ADC5-B05FC9934E9D}" type="datetime1">
               <a:rPr lang="en-US" smtClean="0"/>
-              <a:t>6/7/20</a:t>
+              <a:t>12/17/20</a:t>
             </a:fld>
             <a:endParaRPr lang="en-US"/>
           </a:p>
@@ -4068,7 +4068,7 @@
           <a:p>
             <a:fld id="{6700A58B-DD98-43D0-B791-721480A02982}" type="datetime1">
               <a:rPr lang="en-US" smtClean="0"/>
-              <a:t>6/7/20</a:t>
+              <a:t>12/17/20</a:t>
             </a:fld>
             <a:endParaRPr lang="en-US"/>
           </a:p>
@@ -4343,7 +4343,7 @@
           <a:p>
             <a:fld id="{6700A58B-DD98-43D0-B791-721480A02982}" type="datetime1">
               <a:rPr lang="en-US" smtClean="0"/>
-              <a:t>6/7/20</a:t>
+              <a:t>12/17/20</a:t>
             </a:fld>
             <a:endParaRPr lang="en-US"/>
           </a:p>
@@ -5066,7 +5066,7 @@
           <a:p>
             <a:fld id="{6700A58B-DD98-43D0-B791-721480A02982}" type="datetime1">
               <a:rPr lang="en-US" smtClean="0"/>
-              <a:t>6/7/20</a:t>
+              <a:t>12/17/20</a:t>
             </a:fld>
             <a:endParaRPr lang="en-US"/>
           </a:p>
@@ -5920,7 +5920,7 @@
           <a:p>
             <a:fld id="{7DB6E382-4F61-4E24-BE1A-377EC83D0E3A}" type="datetime1">
               <a:rPr lang="en-US" smtClean="0"/>
-              <a:t>6/7/20</a:t>
+              <a:t>12/17/20</a:t>
             </a:fld>
             <a:endParaRPr lang="en-US"/>
           </a:p>
@@ -6526,7 +6526,7 @@
           <a:p>
             <a:fld id="{6700A58B-DD98-43D0-B791-721480A02982}" type="datetime1">
               <a:rPr lang="en-US" smtClean="0"/>
-              <a:t>6/7/20</a:t>
+              <a:t>12/17/20</a:t>
             </a:fld>
             <a:endParaRPr lang="en-US"/>
           </a:p>
@@ -6928,7 +6928,7 @@
           <a:p>
             <a:fld id="{6700A58B-DD98-43D0-B791-721480A02982}" type="datetime1">
               <a:rPr lang="en-US" smtClean="0"/>
-              <a:t>6/7/20</a:t>
+              <a:t>12/17/20</a:t>
             </a:fld>
             <a:endParaRPr lang="en-US"/>
           </a:p>
@@ -7550,7 +7550,7 @@
           <a:p>
             <a:fld id="{6700A58B-DD98-43D0-B791-721480A02982}" type="datetime1">
               <a:rPr lang="en-US" smtClean="0"/>
-              <a:t>6/7/20</a:t>
+              <a:t>12/17/20</a:t>
             </a:fld>
             <a:endParaRPr lang="en-US"/>
           </a:p>
@@ -9012,7 +9012,7 @@
           <a:p>
             <a:fld id="{6700A58B-DD98-43D0-B791-721480A02982}" type="datetime1">
               <a:rPr lang="en-US" smtClean="0"/>
-              <a:t>6/7/20</a:t>
+              <a:t>12/17/20</a:t>
             </a:fld>
             <a:endParaRPr lang="en-US"/>
           </a:p>
@@ -11940,7 +11940,7 @@
           <a:p>
             <a:fld id="{6700A58B-DD98-43D0-B791-721480A02982}" type="datetime1">
               <a:rPr lang="en-US" smtClean="0"/>
-              <a:t>6/7/20</a:t>
+              <a:t>12/17/20</a:t>
             </a:fld>
             <a:endParaRPr lang="en-US"/>
           </a:p>
@@ -13573,7 +13573,7 @@
           <a:p>
             <a:fld id="{6700A58B-DD98-43D0-B791-721480A02982}" type="datetime1">
               <a:rPr lang="en-US" smtClean="0"/>
-              <a:t>6/7/20</a:t>
+              <a:t>12/17/20</a:t>
             </a:fld>
             <a:endParaRPr lang="en-US"/>
           </a:p>
@@ -16939,7 +16939,7 @@
           <a:p>
             <a:fld id="{6700A58B-DD98-43D0-B791-721480A02982}" type="datetime1">
               <a:rPr lang="en-US" smtClean="0"/>
-              <a:t>6/7/20</a:t>
+              <a:t>12/17/20</a:t>
             </a:fld>
             <a:endParaRPr lang="en-US"/>
           </a:p>
@@ -18931,7 +18931,7 @@
           <a:p>
             <a:fld id="{6700A58B-DD98-43D0-B791-721480A02982}" type="datetime1">
               <a:rPr lang="en-US" smtClean="0"/>
-              <a:t>6/7/20</a:t>
+              <a:t>12/17/20</a:t>
             </a:fld>
             <a:endParaRPr lang="en-US"/>
           </a:p>
@@ -19790,7 +19790,7 @@
           <a:p>
             <a:fld id="{6700A58B-DD98-43D0-B791-721480A02982}" type="datetime1">
               <a:rPr lang="en-US" smtClean="0"/>
-              <a:t>6/7/20</a:t>
+              <a:t>12/17/20</a:t>
             </a:fld>
             <a:endParaRPr lang="en-US"/>
           </a:p>
@@ -20230,7 +20230,7 @@
           <a:p>
             <a:fld id="{6700A58B-DD98-43D0-B791-721480A02982}" type="datetime1">
               <a:rPr lang="en-US" smtClean="0"/>
-              <a:t>6/7/20</a:t>
+              <a:t>12/17/20</a:t>
             </a:fld>
             <a:endParaRPr lang="en-US"/>
           </a:p>
@@ -20336,7 +20336,7 @@
             </a:r>
             <a:r>
               <a:rPr lang="en-US" b="1" u="sng" dirty="0"/>
-              <a:t>WEDS</a:t>
+              <a:t>TUES</a:t>
             </a:r>
             <a:r>
               <a:rPr lang="en-US" dirty="0"/>
@@ -20448,55 +20448,6 @@
           </a:fontRef>
         </p:style>
       </p:cxnSp>
-      <p:sp>
-        <p:nvSpPr>
-          <p:cNvPr id="9" name="Rectangle 8">
-            <a:extLst>
-              <a:ext uri="{FF2B5EF4-FFF2-40B4-BE49-F238E27FC236}">
-                <a16:creationId xmlns:a16="http://schemas.microsoft.com/office/drawing/2014/main" id="{ABEDA3B8-13AE-E64D-8AD5-71727B76BE5F}"/>
-              </a:ext>
-            </a:extLst>
-          </p:cNvPr>
-          <p:cNvSpPr/>
-          <p:nvPr/>
-        </p:nvSpPr>
-        <p:spPr>
-          <a:xfrm>
-            <a:off x="890650" y="4001984"/>
-            <a:ext cx="7362701" cy="676894"/>
-          </a:xfrm>
-          <a:prstGeom prst="rect">
-            <a:avLst/>
-          </a:prstGeom>
-        </p:spPr>
-        <p:style>
-          <a:lnRef idx="2">
-            <a:schemeClr val="accent1">
-              <a:shade val="50000"/>
-            </a:schemeClr>
-          </a:lnRef>
-          <a:fillRef idx="1">
-            <a:schemeClr val="accent1"/>
-          </a:fillRef>
-          <a:effectRef idx="0">
-            <a:schemeClr val="accent1"/>
-          </a:effectRef>
-          <a:fontRef idx="minor">
-            <a:schemeClr val="lt1"/>
-          </a:fontRef>
-        </p:style>
-        <p:txBody>
-          <a:bodyPr rtlCol="0" anchor="ctr"/>
-          <a:lstStyle/>
-          <a:p>
-            <a:pPr algn="ctr"/>
-            <a:r>
-              <a:rPr lang="en-US" dirty="0"/>
-              <a:t>Added another day because I underestimated the time it takes to upload large video files so the videos were delayed by a few hours!</a:t>
-            </a:r>
-          </a:p>
-        </p:txBody>
-      </p:sp>
     </p:spTree>
     <p:extLst>
       <p:ext uri="{BB962C8B-B14F-4D97-AF65-F5344CB8AC3E}">
@@ -20544,7 +20495,7 @@
           <a:p>
             <a:fld id="{6700A58B-DD98-43D0-B791-721480A02982}" type="datetime1">
               <a:rPr lang="en-US" smtClean="0"/>
-              <a:t>6/7/20</a:t>
+              <a:t>12/17/20</a:t>
             </a:fld>
             <a:endParaRPr lang="en-US"/>
           </a:p>
@@ -21611,7 +21562,7 @@
             <a:fld id="{6700A58B-DD98-43D0-B791-721480A02982}" type="datetime1">
               <a:rPr lang="en-US" smtClean="0"/>
               <a:pPr/>
-              <a:t>6/7/20</a:t>
+              <a:t>12/17/20</a:t>
             </a:fld>
             <a:endParaRPr lang="en-US"/>
           </a:p>
@@ -23692,7 +23643,7 @@
             <a:fld id="{6700A58B-DD98-43D0-B791-721480A02982}" type="datetime1">
               <a:rPr lang="en-US" smtClean="0"/>
               <a:pPr/>
-              <a:t>6/7/20</a:t>
+              <a:t>12/17/20</a:t>
             </a:fld>
             <a:endParaRPr lang="en-US"/>
           </a:p>
@@ -26396,7 +26347,7 @@
             <a:fld id="{6700A58B-DD98-43D0-B791-721480A02982}" type="datetime1">
               <a:rPr lang="en-US" smtClean="0"/>
               <a:pPr/>
-              <a:t>6/7/20</a:t>
+              <a:t>12/17/20</a:t>
             </a:fld>
             <a:endParaRPr lang="en-US"/>
           </a:p>
@@ -27527,7 +27478,7 @@
             <a:fld id="{6700A58B-DD98-43D0-B791-721480A02982}" type="datetime1">
               <a:rPr lang="en-US" smtClean="0"/>
               <a:pPr/>
-              <a:t>6/7/20</a:t>
+              <a:t>12/17/20</a:t>
             </a:fld>
             <a:endParaRPr lang="en-US"/>
           </a:p>
@@ -28797,7 +28748,7 @@
             <a:fld id="{6700A58B-DD98-43D0-B791-721480A02982}" type="datetime1">
               <a:rPr lang="en-US" smtClean="0"/>
               <a:pPr/>
-              <a:t>6/7/20</a:t>
+              <a:t>12/17/20</a:t>
             </a:fld>
             <a:endParaRPr lang="en-US"/>
           </a:p>
@@ -29584,7 +29535,7 @@
           <a:p>
             <a:fld id="{6700A58B-DD98-43D0-B791-721480A02982}" type="datetime1">
               <a:rPr lang="en-US" smtClean="0"/>
-              <a:t>6/7/20</a:t>
+              <a:t>12/17/20</a:t>
             </a:fld>
             <a:endParaRPr lang="en-US"/>
           </a:p>
